--- a/Complimentary Course Content/Module3/Lessons/Module3_Lesson07 Developing Windows Phone Apps with Xamarin.pptx
+++ b/Complimentary Course Content/Module3/Lessons/Module3_Lesson07 Developing Windows Phone Apps with Xamarin.pptx
@@ -133,7 +133,7 @@
   </p:defaultTextStyle>
   <p:extLst>
     <p:ext uri="{EFAFB233-063F-42B5-8137-9DF3F51BA10A}">
-      <p15:sldGuideLst xmlns:p15="http://schemas.microsoft.com/office/powerpoint/2012/main" xmlns="">
+      <p15:sldGuideLst xmlns="" xmlns:p15="http://schemas.microsoft.com/office/powerpoint/2012/main">
         <p15:guide id="1" orient="horz" pos="2160">
           <p15:clr>
             <a:srgbClr val="A4A3A4"/>
@@ -232,7 +232,7 @@
           <a:p>
             <a:fld id="{49B60EF2-7028-489F-85D8-FE86CD7CF2A0}" type="datetimeFigureOut">
               <a:rPr lang="en-US" smtClean="0"/>
-              <a:t>6/28/16</a:t>
+              <a:t>6/30/16</a:t>
             </a:fld>
             <a:endParaRPr lang="en-US"/>
           </a:p>
@@ -3360,7 +3360,7 @@
           <a:p>
             <a:fld id="{0459C166-16D3-4A25-A2F8-C51E0E346B22}" type="datetimeFigureOut">
               <a:rPr lang="en-US" smtClean="0"/>
-              <a:t>6/28/16</a:t>
+              <a:t>6/30/16</a:t>
             </a:fld>
             <a:endParaRPr lang="en-US"/>
           </a:p>
@@ -3724,7 +3724,7 @@
           <a:p>
             <a:fld id="{0459C166-16D3-4A25-A2F8-C51E0E346B22}" type="datetimeFigureOut">
               <a:rPr lang="en-US" smtClean="0"/>
-              <a:t>6/28/16</a:t>
+              <a:t>6/30/16</a:t>
             </a:fld>
             <a:endParaRPr lang="en-US"/>
           </a:p>
@@ -3841,7 +3841,7 @@
           <a:p>
             <a:fld id="{0459C166-16D3-4A25-A2F8-C51E0E346B22}" type="datetimeFigureOut">
               <a:rPr lang="en-US" smtClean="0"/>
-              <a:t>6/28/16</a:t>
+              <a:t>6/30/16</a:t>
             </a:fld>
             <a:endParaRPr lang="en-US"/>
           </a:p>
@@ -3936,7 +3936,7 @@
           <a:p>
             <a:fld id="{0459C166-16D3-4A25-A2F8-C51E0E346B22}" type="datetimeFigureOut">
               <a:rPr lang="en-US" smtClean="0"/>
-              <a:t>6/28/16</a:t>
+              <a:t>6/30/16</a:t>
             </a:fld>
             <a:endParaRPr lang="en-US"/>
           </a:p>
@@ -4211,7 +4211,7 @@
           <a:p>
             <a:fld id="{0459C166-16D3-4A25-A2F8-C51E0E346B22}" type="datetimeFigureOut">
               <a:rPr lang="en-US" smtClean="0"/>
-              <a:t>6/28/16</a:t>
+              <a:t>6/30/16</a:t>
             </a:fld>
             <a:endParaRPr lang="en-US"/>
           </a:p>
@@ -4463,7 +4463,7 @@
           <a:p>
             <a:fld id="{0459C166-16D3-4A25-A2F8-C51E0E346B22}" type="datetimeFigureOut">
               <a:rPr lang="en-US" smtClean="0"/>
-              <a:t>6/28/16</a:t>
+              <a:t>6/30/16</a:t>
             </a:fld>
             <a:endParaRPr lang="en-US"/>
           </a:p>
@@ -4631,7 +4631,7 @@
           <a:p>
             <a:fld id="{0459C166-16D3-4A25-A2F8-C51E0E346B22}" type="datetimeFigureOut">
               <a:rPr lang="en-US" smtClean="0"/>
-              <a:t>6/28/16</a:t>
+              <a:t>6/30/16</a:t>
             </a:fld>
             <a:endParaRPr lang="en-US"/>
           </a:p>
@@ -4809,7 +4809,7 @@
           <a:p>
             <a:fld id="{0459C166-16D3-4A25-A2F8-C51E0E346B22}" type="datetimeFigureOut">
               <a:rPr lang="en-US" smtClean="0"/>
-              <a:t>6/28/16</a:t>
+              <a:t>6/30/16</a:t>
             </a:fld>
             <a:endParaRPr lang="en-US"/>
           </a:p>
@@ -4977,7 +4977,7 @@
           <a:p>
             <a:fld id="{0459C166-16D3-4A25-A2F8-C51E0E346B22}" type="datetimeFigureOut">
               <a:rPr lang="en-US" smtClean="0"/>
-              <a:t>6/28/16</a:t>
+              <a:t>6/30/16</a:t>
             </a:fld>
             <a:endParaRPr lang="en-US"/>
           </a:p>
@@ -5241,7 +5241,7 @@
             <a:fld id="{0459C166-16D3-4A25-A2F8-C51E0E346B22}" type="datetimeFigureOut">
               <a:rPr lang="en-US" smtClean="0"/>
               <a:pPr/>
-              <a:t>6/28/16</a:t>
+              <a:t>6/30/16</a:t>
             </a:fld>
             <a:endParaRPr lang="en-US"/>
           </a:p>
@@ -5557,7 +5557,7 @@
           <a:p>
             <a:fld id="{0459C166-16D3-4A25-A2F8-C51E0E346B22}" type="datetimeFigureOut">
               <a:rPr lang="en-US" smtClean="0"/>
-              <a:t>6/28/16</a:t>
+              <a:t>6/30/16</a:t>
             </a:fld>
             <a:endParaRPr lang="en-US"/>
           </a:p>
@@ -5949,7 +5949,7 @@
           <a:p>
             <a:fld id="{0459C166-16D3-4A25-A2F8-C51E0E346B22}" type="datetimeFigureOut">
               <a:rPr lang="en-US" smtClean="0"/>
-              <a:t>6/28/16</a:t>
+              <a:t>6/30/16</a:t>
             </a:fld>
             <a:endParaRPr lang="en-US"/>
           </a:p>
@@ -6910,7 +6910,7 @@
           <a:p>
             <a:fld id="{0459C166-16D3-4A25-A2F8-C51E0E346B22}" type="datetimeFigureOut">
               <a:rPr lang="en-US" smtClean="0"/>
-              <a:t>6/28/16</a:t>
+              <a:t>6/30/16</a:t>
             </a:fld>
             <a:endParaRPr lang="en-US"/>
           </a:p>
@@ -7121,7 +7121,7 @@
           <a:p>
             <a:fld id="{0459C166-16D3-4A25-A2F8-C51E0E346B22}" type="datetimeFigureOut">
               <a:rPr lang="en-US" smtClean="0"/>
-              <a:t>6/28/16</a:t>
+              <a:t>6/30/16</a:t>
             </a:fld>
             <a:endParaRPr lang="en-US"/>
           </a:p>
@@ -11127,7 +11127,7 @@
           <p:nvPr>
             <p:extLst>
               <p:ext uri="{D42A27DB-BD31-4B8C-83A1-F6EECF244321}">
-                <p14:modId xmlns:p14="http://schemas.microsoft.com/office/powerpoint/2010/main" val="3327790005"/>
+                <p14:modId xmlns:p14="http://schemas.microsoft.com/office/powerpoint/2010/main" val="2483159958"/>
               </p:ext>
             </p:extLst>
           </p:nvPr>
@@ -11146,14 +11146,14 @@
                 <a:gridCol w="5533314">
                   <a:extLst>
                     <a:ext uri="{9D8B030D-6E8A-4147-A177-3AD203B41FA5}">
-                      <a16:colId xmlns:a16="http://schemas.microsoft.com/office/drawing/2014/main" xmlns="" val="48614039"/>
+                      <a16:colId xmlns="" xmlns:a16="http://schemas.microsoft.com/office/drawing/2014/main" val="48614039"/>
                     </a:ext>
                   </a:extLst>
                 </a:gridCol>
                 <a:gridCol w="5533314">
                   <a:extLst>
                     <a:ext uri="{9D8B030D-6E8A-4147-A177-3AD203B41FA5}">
-                      <a16:colId xmlns:a16="http://schemas.microsoft.com/office/drawing/2014/main" xmlns="" val="1124546490"/>
+                      <a16:colId xmlns="" xmlns:a16="http://schemas.microsoft.com/office/drawing/2014/main" val="1124546490"/>
                     </a:ext>
                   </a:extLst>
                 </a:gridCol>
@@ -11166,7 +11166,7 @@
                     <a:p>
                       <a:pPr algn="ctr"/>
                       <a:r>
-                        <a:rPr lang="en-US" b="0" dirty="0">
+                        <a:rPr lang="en-US" b="1" dirty="0">
                           <a:solidFill>
                             <a:schemeClr val="bg1"/>
                           </a:solidFill>
@@ -11205,7 +11205,7 @@
                 </a:tc>
                 <a:extLst>
                   <a:ext uri="{0D108BD9-81ED-4DB2-BD59-A6C34878D82A}">
-                    <a16:rowId xmlns:a16="http://schemas.microsoft.com/office/drawing/2014/main" xmlns="" val="679667022"/>
+                    <a16:rowId xmlns="" xmlns:a16="http://schemas.microsoft.com/office/drawing/2014/main" val="679667022"/>
                   </a:ext>
                 </a:extLst>
               </a:tr>
@@ -11217,14 +11217,14 @@
                     <a:p>
                       <a:pPr algn="l"/>
                       <a:r>
-                        <a:rPr lang="en-US" dirty="0"/>
+                        <a:rPr lang="en-US" b="1" dirty="0"/>
                         <a:t>Ca</a:t>
                       </a:r>
                       <a:r>
-                        <a:rPr lang="en-US" baseline="0" dirty="0"/>
+                        <a:rPr lang="en-US" b="1" baseline="0" dirty="0"/>
                         <a:t>nvas</a:t>
                       </a:r>
-                      <a:endParaRPr lang="en-US" dirty="0"/>
+                      <a:endParaRPr lang="en-US" b="1" dirty="0"/>
                     </a:p>
                   </a:txBody>
                   <a:tcPr>
@@ -11261,7 +11261,7 @@
                 </a:tc>
                 <a:extLst>
                   <a:ext uri="{0D108BD9-81ED-4DB2-BD59-A6C34878D82A}">
-                    <a16:rowId xmlns:a16="http://schemas.microsoft.com/office/drawing/2014/main" xmlns="" val="2034482246"/>
+                    <a16:rowId xmlns="" xmlns:a16="http://schemas.microsoft.com/office/drawing/2014/main" val="2034482246"/>
                   </a:ext>
                 </a:extLst>
               </a:tr>
@@ -11273,10 +11273,10 @@
                     <a:p>
                       <a:pPr algn="l"/>
                       <a:r>
-                        <a:rPr lang="en-US" dirty="0" err="1"/>
+                        <a:rPr lang="en-US" b="1" dirty="0" err="1"/>
                         <a:t>StackPanel</a:t>
                       </a:r>
-                      <a:endParaRPr lang="en-US" dirty="0"/>
+                      <a:endParaRPr lang="en-US" b="1" dirty="0"/>
                     </a:p>
                   </a:txBody>
                   <a:tcPr>
@@ -11316,7 +11316,7 @@
                 </a:tc>
                 <a:extLst>
                   <a:ext uri="{0D108BD9-81ED-4DB2-BD59-A6C34878D82A}">
-                    <a16:rowId xmlns:a16="http://schemas.microsoft.com/office/drawing/2014/main" xmlns="" val="682465758"/>
+                    <a16:rowId xmlns="" xmlns:a16="http://schemas.microsoft.com/office/drawing/2014/main" val="682465758"/>
                   </a:ext>
                 </a:extLst>
               </a:tr>
@@ -11328,7 +11328,7 @@
                     <a:p>
                       <a:pPr algn="l"/>
                       <a:r>
-                        <a:rPr lang="en-US" dirty="0"/>
+                        <a:rPr lang="en-US" b="1" dirty="0"/>
                         <a:t>Grid</a:t>
                       </a:r>
                     </a:p>
@@ -11370,7 +11370,7 @@
                 </a:tc>
                 <a:extLst>
                   <a:ext uri="{0D108BD9-81ED-4DB2-BD59-A6C34878D82A}">
-                    <a16:rowId xmlns:a16="http://schemas.microsoft.com/office/drawing/2014/main" xmlns="" val="4230228483"/>
+                    <a16:rowId xmlns="" xmlns:a16="http://schemas.microsoft.com/office/drawing/2014/main" val="4230228483"/>
                   </a:ext>
                 </a:extLst>
               </a:tr>
@@ -11382,22 +11382,22 @@
                     <a:p>
                       <a:pPr algn="l"/>
                       <a:r>
-                        <a:rPr lang="en-US" dirty="0"/>
+                        <a:rPr lang="en-US" b="1" dirty="0"/>
                         <a:t>Others</a:t>
                       </a:r>
                       <a:r>
-                        <a:rPr lang="en-US" baseline="0" dirty="0"/>
+                        <a:rPr lang="en-US" b="1" baseline="0" dirty="0"/>
                         <a:t> (</a:t>
                       </a:r>
                       <a:r>
-                        <a:rPr lang="en-US" baseline="0" dirty="0" err="1"/>
+                        <a:rPr lang="en-US" b="1" baseline="0" dirty="0" err="1"/>
                         <a:t>TextBox</a:t>
                       </a:r>
                       <a:r>
-                        <a:rPr lang="en-US" baseline="0" dirty="0"/>
+                        <a:rPr lang="en-US" b="1" baseline="0" dirty="0"/>
                         <a:t>, Button, etc.)</a:t>
                       </a:r>
-                      <a:endParaRPr lang="en-US" dirty="0"/>
+                      <a:endParaRPr lang="en-US" b="1" dirty="0"/>
                     </a:p>
                   </a:txBody>
                   <a:tcPr>
@@ -11435,7 +11435,7 @@
                 </a:tc>
                 <a:extLst>
                   <a:ext uri="{0D108BD9-81ED-4DB2-BD59-A6C34878D82A}">
-                    <a16:rowId xmlns:a16="http://schemas.microsoft.com/office/drawing/2014/main" xmlns="" val="3329658239"/>
+                    <a16:rowId xmlns="" xmlns:a16="http://schemas.microsoft.com/office/drawing/2014/main" val="3329658239"/>
                   </a:ext>
                 </a:extLst>
               </a:tr>
@@ -15014,7 +15014,7 @@
   <a:extraClrSchemeLst/>
   <a:extLst>
     <a:ext uri="{05A4C25C-085E-4340-85A3-A5531E510DB2}">
-      <thm15:themeFamily xmlns:thm15="http://schemas.microsoft.com/office/thememl/2012/main" xmlns="" name="Office Theme" id="{62F939B6-93AF-4DB8-9C6B-D6C7DFDC589F}" vid="{4A3C46E8-61CC-4603-A589-7422A47A8E4A}"/>
+      <thm15:themeFamily xmlns="" xmlns:thm15="http://schemas.microsoft.com/office/thememl/2012/main" name="Office Theme" id="{62F939B6-93AF-4DB8-9C6B-D6C7DFDC589F}" vid="{4A3C46E8-61CC-4603-A589-7422A47A8E4A}"/>
     </a:ext>
   </a:extLst>
 </a:theme>
@@ -15309,7 +15309,7 @@
   <a:extraClrSchemeLst/>
   <a:extLst>
     <a:ext uri="{05A4C25C-085E-4340-85A3-A5531E510DB2}">
-      <thm15:themeFamily xmlns:thm15="http://schemas.microsoft.com/office/thememl/2012/main" xmlns="" name="Office Theme" id="{62F939B6-93AF-4DB8-9C6B-D6C7DFDC589F}" vid="{4A3C46E8-61CC-4603-A589-7422A47A8E4A}"/>
+      <thm15:themeFamily xmlns="" xmlns:thm15="http://schemas.microsoft.com/office/thememl/2012/main" name="Office Theme" id="{62F939B6-93AF-4DB8-9C6B-D6C7DFDC589F}" vid="{4A3C46E8-61CC-4603-A589-7422A47A8E4A}"/>
     </a:ext>
   </a:extLst>
 </a:theme>

--- a/Complimentary Course Content/Module3/Lessons/Module3_Lesson07 Developing Windows Phone Apps with Xamarin.pptx
+++ b/Complimentary Course Content/Module3/Lessons/Module3_Lesson07 Developing Windows Phone Apps with Xamarin.pptx
@@ -133,7 +133,7 @@
   </p:defaultTextStyle>
   <p:extLst>
     <p:ext uri="{EFAFB233-063F-42B5-8137-9DF3F51BA10A}">
-      <p15:sldGuideLst xmlns="" xmlns:p15="http://schemas.microsoft.com/office/powerpoint/2012/main">
+      <p15:sldGuideLst xmlns:p15="http://schemas.microsoft.com/office/powerpoint/2012/main" xmlns="">
         <p15:guide id="1" orient="horz" pos="2160">
           <p15:clr>
             <a:srgbClr val="A4A3A4"/>
@@ -11146,14 +11146,14 @@
                 <a:gridCol w="5533314">
                   <a:extLst>
                     <a:ext uri="{9D8B030D-6E8A-4147-A177-3AD203B41FA5}">
-                      <a16:colId xmlns="" xmlns:a16="http://schemas.microsoft.com/office/drawing/2014/main" val="48614039"/>
+                      <a16:colId xmlns:a16="http://schemas.microsoft.com/office/drawing/2014/main" xmlns="" val="48614039"/>
                     </a:ext>
                   </a:extLst>
                 </a:gridCol>
                 <a:gridCol w="5533314">
                   <a:extLst>
                     <a:ext uri="{9D8B030D-6E8A-4147-A177-3AD203B41FA5}">
-                      <a16:colId xmlns="" xmlns:a16="http://schemas.microsoft.com/office/drawing/2014/main" val="1124546490"/>
+                      <a16:colId xmlns:a16="http://schemas.microsoft.com/office/drawing/2014/main" xmlns="" val="1124546490"/>
                     </a:ext>
                   </a:extLst>
                 </a:gridCol>
@@ -11205,7 +11205,7 @@
                 </a:tc>
                 <a:extLst>
                   <a:ext uri="{0D108BD9-81ED-4DB2-BD59-A6C34878D82A}">
-                    <a16:rowId xmlns="" xmlns:a16="http://schemas.microsoft.com/office/drawing/2014/main" val="679667022"/>
+                    <a16:rowId xmlns:a16="http://schemas.microsoft.com/office/drawing/2014/main" xmlns="" val="679667022"/>
                   </a:ext>
                 </a:extLst>
               </a:tr>
@@ -11261,7 +11261,7 @@
                 </a:tc>
                 <a:extLst>
                   <a:ext uri="{0D108BD9-81ED-4DB2-BD59-A6C34878D82A}">
-                    <a16:rowId xmlns="" xmlns:a16="http://schemas.microsoft.com/office/drawing/2014/main" val="2034482246"/>
+                    <a16:rowId xmlns:a16="http://schemas.microsoft.com/office/drawing/2014/main" xmlns="" val="2034482246"/>
                   </a:ext>
                 </a:extLst>
               </a:tr>
@@ -11316,7 +11316,7 @@
                 </a:tc>
                 <a:extLst>
                   <a:ext uri="{0D108BD9-81ED-4DB2-BD59-A6C34878D82A}">
-                    <a16:rowId xmlns="" xmlns:a16="http://schemas.microsoft.com/office/drawing/2014/main" val="682465758"/>
+                    <a16:rowId xmlns:a16="http://schemas.microsoft.com/office/drawing/2014/main" xmlns="" val="682465758"/>
                   </a:ext>
                 </a:extLst>
               </a:tr>
@@ -11370,7 +11370,7 @@
                 </a:tc>
                 <a:extLst>
                   <a:ext uri="{0D108BD9-81ED-4DB2-BD59-A6C34878D82A}">
-                    <a16:rowId xmlns="" xmlns:a16="http://schemas.microsoft.com/office/drawing/2014/main" val="4230228483"/>
+                    <a16:rowId xmlns:a16="http://schemas.microsoft.com/office/drawing/2014/main" xmlns="" val="4230228483"/>
                   </a:ext>
                 </a:extLst>
               </a:tr>
@@ -11435,7 +11435,7 @@
                 </a:tc>
                 <a:extLst>
                   <a:ext uri="{0D108BD9-81ED-4DB2-BD59-A6C34878D82A}">
-                    <a16:rowId xmlns="" xmlns:a16="http://schemas.microsoft.com/office/drawing/2014/main" val="3329658239"/>
+                    <a16:rowId xmlns:a16="http://schemas.microsoft.com/office/drawing/2014/main" xmlns="" val="3329658239"/>
                   </a:ext>
                 </a:extLst>
               </a:tr>
@@ -15014,7 +15014,7 @@
   <a:extraClrSchemeLst/>
   <a:extLst>
     <a:ext uri="{05A4C25C-085E-4340-85A3-A5531E510DB2}">
-      <thm15:themeFamily xmlns="" xmlns:thm15="http://schemas.microsoft.com/office/thememl/2012/main" name="Office Theme" id="{62F939B6-93AF-4DB8-9C6B-D6C7DFDC589F}" vid="{4A3C46E8-61CC-4603-A589-7422A47A8E4A}"/>
+      <thm15:themeFamily xmlns:thm15="http://schemas.microsoft.com/office/thememl/2012/main" xmlns="" name="Office Theme" id="{62F939B6-93AF-4DB8-9C6B-D6C7DFDC589F}" vid="{4A3C46E8-61CC-4603-A589-7422A47A8E4A}"/>
     </a:ext>
   </a:extLst>
 </a:theme>
@@ -15309,7 +15309,7 @@
   <a:extraClrSchemeLst/>
   <a:extLst>
     <a:ext uri="{05A4C25C-085E-4340-85A3-A5531E510DB2}">
-      <thm15:themeFamily xmlns="" xmlns:thm15="http://schemas.microsoft.com/office/thememl/2012/main" name="Office Theme" id="{62F939B6-93AF-4DB8-9C6B-D6C7DFDC589F}" vid="{4A3C46E8-61CC-4603-A589-7422A47A8E4A}"/>
+      <thm15:themeFamily xmlns:thm15="http://schemas.microsoft.com/office/thememl/2012/main" xmlns="" name="Office Theme" id="{62F939B6-93AF-4DB8-9C6B-D6C7DFDC589F}" vid="{4A3C46E8-61CC-4603-A589-7422A47A8E4A}"/>
     </a:ext>
   </a:extLst>
 </a:theme>
